--- a/2º Período/Engenharia de Requisitos/Requisitos Não Funcionais.pptx
+++ b/2º Período/Engenharia de Requisitos/Requisitos Não Funcionais.pptx
@@ -5,18 +5,17 @@
     <p:sldMasterId id="2147483648" r:id="rId4"/>
   </p:sldMasterIdLst>
   <p:notesMasterIdLst>
-    <p:notesMasterId r:id="rId11"/>
+    <p:notesMasterId r:id="rId10"/>
   </p:notesMasterIdLst>
   <p:handoutMasterIdLst>
-    <p:handoutMasterId r:id="rId12"/>
+    <p:handoutMasterId r:id="rId11"/>
   </p:handoutMasterIdLst>
   <p:sldIdLst>
     <p:sldId id="267" r:id="rId5"/>
     <p:sldId id="268" r:id="rId6"/>
     <p:sldId id="270" r:id="rId7"/>
-    <p:sldId id="269" r:id="rId8"/>
-    <p:sldId id="271" r:id="rId9"/>
-    <p:sldId id="273" r:id="rId10"/>
+    <p:sldId id="271" r:id="rId8"/>
+    <p:sldId id="273" r:id="rId9"/>
   </p:sldIdLst>
   <p:sldSz cx="12192000" cy="6858000"/>
   <p:notesSz cx="6858000" cy="9144000"/>
@@ -135,6 +134,87 @@
     </p:ext>
   </p:extLst>
 </p:presentation>
+</file>
+
+<file path=ppt/changesInfos/changesInfo1.xml><?xml version="1.0" encoding="utf-8"?>
+<pc:chgInfo xmlns:a="http://schemas.openxmlformats.org/drawingml/2006/main" xmlns:r="http://schemas.openxmlformats.org/officeDocument/2006/relationships" xmlns:ac="http://schemas.microsoft.com/office/drawing/2013/main/command" xmlns:pc="http://schemas.microsoft.com/office/powerpoint/2013/main/command">
+  <pc:docChgLst>
+    <pc:chgData name="Ary Farah" userId="b4a11b600c829974" providerId="LiveId" clId="{5ACE9A96-3554-4611-B077-2C4E7A20811F}"/>
+    <pc:docChg chg="custSel delSld modSld">
+      <pc:chgData name="Ary Farah" userId="b4a11b600c829974" providerId="LiveId" clId="{5ACE9A96-3554-4611-B077-2C4E7A20811F}" dt="2023-10-09T12:52:16.022" v="196" actId="20577"/>
+      <pc:docMkLst>
+        <pc:docMk/>
+      </pc:docMkLst>
+      <pc:sldChg chg="modSp mod">
+        <pc:chgData name="Ary Farah" userId="b4a11b600c829974" providerId="LiveId" clId="{5ACE9A96-3554-4611-B077-2C4E7A20811F}" dt="2023-10-09T12:50:29.484" v="33" actId="403"/>
+        <pc:sldMkLst>
+          <pc:docMk/>
+          <pc:sldMk cId="1051878143" sldId="267"/>
+        </pc:sldMkLst>
+        <pc:spChg chg="mod">
+          <ac:chgData name="Ary Farah" userId="b4a11b600c829974" providerId="LiveId" clId="{5ACE9A96-3554-4611-B077-2C4E7A20811F}" dt="2023-10-09T12:50:29.484" v="33" actId="403"/>
+          <ac:spMkLst>
+            <pc:docMk/>
+            <pc:sldMk cId="1051878143" sldId="267"/>
+            <ac:spMk id="3" creationId="{00000000-0000-0000-0000-000000000000}"/>
+          </ac:spMkLst>
+        </pc:spChg>
+      </pc:sldChg>
+      <pc:sldChg chg="del">
+        <pc:chgData name="Ary Farah" userId="b4a11b600c829974" providerId="LiveId" clId="{5ACE9A96-3554-4611-B077-2C4E7A20811F}" dt="2023-10-09T12:49:12.202" v="0" actId="47"/>
+        <pc:sldMkLst>
+          <pc:docMk/>
+          <pc:sldMk cId="4186538503" sldId="269"/>
+        </pc:sldMkLst>
+      </pc:sldChg>
+      <pc:sldChg chg="modSp mod">
+        <pc:chgData name="Ary Farah" userId="b4a11b600c829974" providerId="LiveId" clId="{5ACE9A96-3554-4611-B077-2C4E7A20811F}" dt="2023-10-09T12:52:16.022" v="196" actId="20577"/>
+        <pc:sldMkLst>
+          <pc:docMk/>
+          <pc:sldMk cId="4047188004" sldId="270"/>
+        </pc:sldMkLst>
+        <pc:spChg chg="mod">
+          <ac:chgData name="Ary Farah" userId="b4a11b600c829974" providerId="LiveId" clId="{5ACE9A96-3554-4611-B077-2C4E7A20811F}" dt="2023-10-09T12:52:16.022" v="196" actId="20577"/>
+          <ac:spMkLst>
+            <pc:docMk/>
+            <pc:sldMk cId="4047188004" sldId="270"/>
+            <ac:spMk id="3" creationId="{10484CF1-5C82-433D-9A89-44484EA79812}"/>
+          </ac:spMkLst>
+        </pc:spChg>
+      </pc:sldChg>
+      <pc:sldChg chg="modSp mod">
+        <pc:chgData name="Ary Farah" userId="b4a11b600c829974" providerId="LiveId" clId="{5ACE9A96-3554-4611-B077-2C4E7A20811F}" dt="2023-10-09T12:49:33.078" v="1" actId="115"/>
+        <pc:sldMkLst>
+          <pc:docMk/>
+          <pc:sldMk cId="2442103988" sldId="271"/>
+        </pc:sldMkLst>
+        <pc:spChg chg="mod">
+          <ac:chgData name="Ary Farah" userId="b4a11b600c829974" providerId="LiveId" clId="{5ACE9A96-3554-4611-B077-2C4E7A20811F}" dt="2023-10-09T12:49:33.078" v="1" actId="115"/>
+          <ac:spMkLst>
+            <pc:docMk/>
+            <pc:sldMk cId="2442103988" sldId="271"/>
+            <ac:spMk id="2" creationId="{4E92BC41-0380-77FD-FD42-CFA0FA498C1F}"/>
+          </ac:spMkLst>
+        </pc:spChg>
+      </pc:sldChg>
+      <pc:sldChg chg="modSp mod">
+        <pc:chgData name="Ary Farah" userId="b4a11b600c829974" providerId="LiveId" clId="{5ACE9A96-3554-4611-B077-2C4E7A20811F}" dt="2023-10-09T12:50:07.951" v="2" actId="115"/>
+        <pc:sldMkLst>
+          <pc:docMk/>
+          <pc:sldMk cId="1799221880" sldId="273"/>
+        </pc:sldMkLst>
+        <pc:spChg chg="mod">
+          <ac:chgData name="Ary Farah" userId="b4a11b600c829974" providerId="LiveId" clId="{5ACE9A96-3554-4611-B077-2C4E7A20811F}" dt="2023-10-09T12:50:07.951" v="2" actId="115"/>
+          <ac:spMkLst>
+            <pc:docMk/>
+            <pc:sldMk cId="1799221880" sldId="273"/>
+            <ac:spMk id="2" creationId="{15B1635E-59D2-A934-51A4-51BC3FB91E78}"/>
+          </ac:spMkLst>
+        </pc:spChg>
+      </pc:sldChg>
+    </pc:docChg>
+  </pc:docChgLst>
+</pc:chgInfo>
 </file>
 
 <file path=ppt/handoutMasters/handoutMaster1.xml><?xml version="1.0" encoding="utf-8"?>
@@ -4046,46 +4126,58 @@
             <p:ph type="subTitle" idx="1"/>
           </p:nvPr>
         </p:nvSpPr>
-        <p:spPr/>
+        <p:spPr>
+          <a:xfrm>
+            <a:off x="609600" y="3386585"/>
+            <a:ext cx="8133184" cy="2417056"/>
+          </a:xfrm>
+        </p:spPr>
         <p:txBody>
           <a:bodyPr rtlCol="0">
-            <a:normAutofit fontScale="92500" lnSpcReduction="20000"/>
+            <a:normAutofit/>
           </a:bodyPr>
           <a:lstStyle/>
           <a:p>
             <a:pPr rtl="0"/>
             <a:r>
-              <a:rPr lang="pt-BR" sz="1800" dirty="0"/>
+              <a:rPr lang="pt-BR" sz="1400" dirty="0"/>
               <a:t>Adriano Vale</a:t>
             </a:r>
           </a:p>
           <a:p>
             <a:pPr rtl="0"/>
             <a:r>
-              <a:rPr lang="pt-BR" sz="1800" dirty="0"/>
+              <a:rPr lang="pt-BR" sz="1400" dirty="0"/>
               <a:t>Ary Farah</a:t>
             </a:r>
           </a:p>
           <a:p>
             <a:pPr rtl="0"/>
             <a:r>
-              <a:rPr lang="pt-BR" sz="1800" dirty="0"/>
+              <a:rPr lang="pt-BR" sz="1400" dirty="0"/>
+              <a:t>Caroline Assis</a:t>
+            </a:r>
+          </a:p>
+          <a:p>
+            <a:pPr rtl="0"/>
+            <a:r>
+              <a:rPr lang="pt-BR" sz="1400" dirty="0"/>
               <a:t>Ícaro </a:t>
             </a:r>
             <a:r>
-              <a:rPr lang="pt-BR" sz="1800" dirty="0" err="1"/>
+              <a:rPr lang="pt-BR" sz="1400" dirty="0" err="1"/>
               <a:t>Kuchanovicz</a:t>
             </a:r>
-            <a:endParaRPr lang="pt-BR" sz="1800" dirty="0"/>
-          </a:p>
-          <a:p>
-            <a:pPr rtl="0"/>
-            <a:r>
-              <a:rPr lang="pt-BR" sz="1800" dirty="0" err="1"/>
+            <a:endParaRPr lang="pt-BR" sz="1400" dirty="0"/>
+          </a:p>
+          <a:p>
+            <a:pPr rtl="0"/>
+            <a:r>
+              <a:rPr lang="pt-BR" sz="1400" dirty="0" err="1"/>
               <a:t>Kael</a:t>
             </a:r>
             <a:r>
-              <a:rPr lang="pt-BR" sz="1800" dirty="0"/>
+              <a:rPr lang="pt-BR" sz="1400" dirty="0"/>
               <a:t> Scott</a:t>
             </a:r>
           </a:p>
@@ -4438,7 +4530,15 @@
             </a:r>
             <a:r>
               <a:rPr lang="pt-BR" dirty="0"/>
-              <a:t>O sistema deve ser fácil de usar por pessoas de todos os níveis de conhecimento técnico. </a:t>
+              <a:t>Todos as funcionalidades devem ser acessadas tem até 5 cliques por usuários sem nenhum </a:t>
+            </a:r>
+            <a:r>
+              <a:rPr lang="pt-BR"/>
+              <a:t>conhecimento técnico prévio</a:t>
+            </a:r>
+            <a:r>
+              <a:rPr lang="pt-BR" dirty="0"/>
+              <a:t>.</a:t>
             </a:r>
           </a:p>
           <a:p>
@@ -4562,7 +4662,7 @@
           <p:cNvPr id="2" name="Título 1">
             <a:extLst>
               <a:ext uri="{FF2B5EF4-FFF2-40B4-BE49-F238E27FC236}">
-                <a16:creationId xmlns:a16="http://schemas.microsoft.com/office/drawing/2014/main" id="{E266027F-83E2-7B86-F5A5-2EA002421146}"/>
+                <a16:creationId xmlns:a16="http://schemas.microsoft.com/office/drawing/2014/main" id="{4E92BC41-0380-77FD-FD42-CFA0FA498C1F}"/>
               </a:ext>
             </a:extLst>
           </p:cNvPr>
@@ -4571,6 +4671,34 @@
           </p:cNvSpPr>
           <p:nvPr>
             <p:ph type="title"/>
+          </p:nvPr>
+        </p:nvSpPr>
+        <p:spPr/>
+        <p:txBody>
+          <a:bodyPr/>
+          <a:lstStyle/>
+          <a:p>
+            <a:r>
+              <a:rPr lang="pt-BR" u="sng" dirty="0"/>
+              <a:t>Como montar Requisitos Não Funcionais?</a:t>
+            </a:r>
+          </a:p>
+        </p:txBody>
+      </p:sp>
+      <p:sp>
+        <p:nvSpPr>
+          <p:cNvPr id="3" name="Espaço Reservado para Conteúdo 2">
+            <a:extLst>
+              <a:ext uri="{FF2B5EF4-FFF2-40B4-BE49-F238E27FC236}">
+                <a16:creationId xmlns:a16="http://schemas.microsoft.com/office/drawing/2014/main" id="{D2A47009-1A33-A5C1-1AEB-B8D9C63CB4B0}"/>
+              </a:ext>
+            </a:extLst>
+          </p:cNvPr>
+          <p:cNvSpPr>
+            <a:spLocks noGrp="1"/>
+          </p:cNvSpPr>
+          <p:nvPr>
+            <p:ph idx="1"/>
           </p:nvPr>
         </p:nvSpPr>
         <p:spPr/>
@@ -4581,54 +4709,44 @@
           <a:lstStyle/>
           <a:p>
             <a:r>
-              <a:rPr lang="pt-BR" sz="3600" dirty="0"/>
-              <a:t>Exemplos</a:t>
-            </a:r>
-          </a:p>
-        </p:txBody>
-      </p:sp>
-      <p:sp>
-        <p:nvSpPr>
-          <p:cNvPr id="3" name="Espaço Reservado para Conteúdo 2">
-            <a:extLst>
-              <a:ext uri="{FF2B5EF4-FFF2-40B4-BE49-F238E27FC236}">
-                <a16:creationId xmlns:a16="http://schemas.microsoft.com/office/drawing/2014/main" id="{50BE17A2-0EF7-BA1B-F9B1-6A33AC32BBD1}"/>
-              </a:ext>
-            </a:extLst>
-          </p:cNvPr>
-          <p:cNvSpPr>
-            <a:spLocks noGrp="1"/>
-          </p:cNvSpPr>
-          <p:nvPr>
-            <p:ph idx="1"/>
-          </p:nvPr>
-        </p:nvSpPr>
-        <p:spPr/>
-        <p:txBody>
-          <a:bodyPr/>
-          <a:lstStyle/>
-          <a:p>
-            <a:r>
               <a:rPr lang="pt-BR" dirty="0"/>
-              <a:t>O sistema deve ser capaz de processar pedidos em tempo real. </a:t>
+              <a:t>Seja específico e mensurável.</a:t>
             </a:r>
           </a:p>
           <a:p>
             <a:r>
               <a:rPr lang="pt-BR" dirty="0"/>
-              <a:t>O sistema deve ser fácil de usar por pessoas de todos os níveis de conhecimento técnico. </a:t>
+              <a:t>Utilize métricas e padrões reconhecidos.</a:t>
             </a:r>
           </a:p>
           <a:p>
             <a:r>
               <a:rPr lang="pt-BR" dirty="0"/>
-              <a:t>O sistema deve estar disponível 24 horas por dia, 7 dias por semana. </a:t>
+              <a:t>Defina cenários e condições.</a:t>
             </a:r>
           </a:p>
           <a:p>
             <a:r>
               <a:rPr lang="pt-BR" dirty="0"/>
-              <a:t>O sistema deve proteger os dados de clientes e cartões de crédito. </a:t>
+              <a:t>Especifique limites claros.</a:t>
+            </a:r>
+          </a:p>
+          <a:p>
+            <a:r>
+              <a:rPr lang="pt-BR" dirty="0"/>
+              <a:t>Use palavras-chave como "deve" e "deverá".</a:t>
+            </a:r>
+          </a:p>
+          <a:p>
+            <a:r>
+              <a:rPr lang="pt-BR" dirty="0"/>
+              <a:t>Forneça critérios de aceitação.</a:t>
+            </a:r>
+          </a:p>
+          <a:p>
+            <a:r>
+              <a:rPr lang="pt-BR" dirty="0"/>
+              <a:t>Mantenha a documentação atualizada.</a:t>
             </a:r>
           </a:p>
         </p:txBody>
@@ -4638,7 +4756,7 @@
           <p:cNvPr id="4" name="Espaço Reservado para Data 3">
             <a:extLst>
               <a:ext uri="{FF2B5EF4-FFF2-40B4-BE49-F238E27FC236}">
-                <a16:creationId xmlns:a16="http://schemas.microsoft.com/office/drawing/2014/main" id="{F67AC36F-29E0-B84B-9673-5B125F6774F5}"/>
+                <a16:creationId xmlns:a16="http://schemas.microsoft.com/office/drawing/2014/main" id="{0443C1E1-120E-D9ED-466D-23019D7D000D}"/>
               </a:ext>
             </a:extLst>
           </p:cNvPr>
@@ -4666,7 +4784,7 @@
     </p:spTree>
     <p:extLst>
       <p:ext uri="{BB962C8B-B14F-4D97-AF65-F5344CB8AC3E}">
-        <p14:creationId xmlns:p14="http://schemas.microsoft.com/office/powerpoint/2010/main" val="4186538503"/>
+        <p14:creationId xmlns:p14="http://schemas.microsoft.com/office/powerpoint/2010/main" val="2442103988"/>
       </p:ext>
     </p:extLst>
   </p:cSld>
@@ -4710,172 +4828,6 @@
           <p:cNvPr id="2" name="Título 1">
             <a:extLst>
               <a:ext uri="{FF2B5EF4-FFF2-40B4-BE49-F238E27FC236}">
-                <a16:creationId xmlns:a16="http://schemas.microsoft.com/office/drawing/2014/main" id="{4E92BC41-0380-77FD-FD42-CFA0FA498C1F}"/>
-              </a:ext>
-            </a:extLst>
-          </p:cNvPr>
-          <p:cNvSpPr>
-            <a:spLocks noGrp="1"/>
-          </p:cNvSpPr>
-          <p:nvPr>
-            <p:ph type="title"/>
-          </p:nvPr>
-        </p:nvSpPr>
-        <p:spPr/>
-        <p:txBody>
-          <a:bodyPr/>
-          <a:lstStyle/>
-          <a:p>
-            <a:r>
-              <a:rPr lang="pt-BR" dirty="0"/>
-              <a:t>Como montar Requisitos Não Funcionais?</a:t>
-            </a:r>
-          </a:p>
-        </p:txBody>
-      </p:sp>
-      <p:sp>
-        <p:nvSpPr>
-          <p:cNvPr id="3" name="Espaço Reservado para Conteúdo 2">
-            <a:extLst>
-              <a:ext uri="{FF2B5EF4-FFF2-40B4-BE49-F238E27FC236}">
-                <a16:creationId xmlns:a16="http://schemas.microsoft.com/office/drawing/2014/main" id="{D2A47009-1A33-A5C1-1AEB-B8D9C63CB4B0}"/>
-              </a:ext>
-            </a:extLst>
-          </p:cNvPr>
-          <p:cNvSpPr>
-            <a:spLocks noGrp="1"/>
-          </p:cNvSpPr>
-          <p:nvPr>
-            <p:ph idx="1"/>
-          </p:nvPr>
-        </p:nvSpPr>
-        <p:spPr/>
-        <p:txBody>
-          <a:bodyPr>
-            <a:normAutofit/>
-          </a:bodyPr>
-          <a:lstStyle/>
-          <a:p>
-            <a:r>
-              <a:rPr lang="pt-BR" dirty="0"/>
-              <a:t>Seja específico e mensurável.</a:t>
-            </a:r>
-          </a:p>
-          <a:p>
-            <a:r>
-              <a:rPr lang="pt-BR" dirty="0"/>
-              <a:t>Utilize métricas e padrões reconhecidos.</a:t>
-            </a:r>
-          </a:p>
-          <a:p>
-            <a:r>
-              <a:rPr lang="pt-BR" dirty="0"/>
-              <a:t>Defina cenários e condições.</a:t>
-            </a:r>
-          </a:p>
-          <a:p>
-            <a:r>
-              <a:rPr lang="pt-BR" dirty="0"/>
-              <a:t>Especifique limites claros.</a:t>
-            </a:r>
-          </a:p>
-          <a:p>
-            <a:r>
-              <a:rPr lang="pt-BR" dirty="0"/>
-              <a:t>Use palavras-chave como "deve" e "deverá".</a:t>
-            </a:r>
-          </a:p>
-          <a:p>
-            <a:r>
-              <a:rPr lang="pt-BR" dirty="0"/>
-              <a:t>Forneça critérios de aceitação.</a:t>
-            </a:r>
-          </a:p>
-          <a:p>
-            <a:r>
-              <a:rPr lang="pt-BR" dirty="0"/>
-              <a:t>Mantenha a documentação atualizada.</a:t>
-            </a:r>
-          </a:p>
-        </p:txBody>
-      </p:sp>
-      <p:sp>
-        <p:nvSpPr>
-          <p:cNvPr id="4" name="Espaço Reservado para Data 3">
-            <a:extLst>
-              <a:ext uri="{FF2B5EF4-FFF2-40B4-BE49-F238E27FC236}">
-                <a16:creationId xmlns:a16="http://schemas.microsoft.com/office/drawing/2014/main" id="{0443C1E1-120E-D9ED-466D-23019D7D000D}"/>
-              </a:ext>
-            </a:extLst>
-          </p:cNvPr>
-          <p:cNvSpPr>
-            <a:spLocks noGrp="1"/>
-          </p:cNvSpPr>
-          <p:nvPr>
-            <p:ph type="dt" sz="half" idx="10"/>
-          </p:nvPr>
-        </p:nvSpPr>
-        <p:spPr/>
-        <p:txBody>
-          <a:bodyPr/>
-          <a:lstStyle/>
-          <a:p>
-            <a:pPr rtl="0"/>
-            <a:fld id="{A5B13C9E-140D-4CB4-B8D6-C57F3A2636AE}" type="datetime1">
-              <a:rPr lang="pt-BR" noProof="0" smtClean="0"/>
-              <a:t>09/10/2023</a:t>
-            </a:fld>
-            <a:endParaRPr lang="pt-BR" noProof="0" dirty="0"/>
-          </a:p>
-        </p:txBody>
-      </p:sp>
-    </p:spTree>
-    <p:extLst>
-      <p:ext uri="{BB962C8B-B14F-4D97-AF65-F5344CB8AC3E}">
-        <p14:creationId xmlns:p14="http://schemas.microsoft.com/office/powerpoint/2010/main" val="2442103988"/>
-      </p:ext>
-    </p:extLst>
-  </p:cSld>
-  <p:clrMapOvr>
-    <a:masterClrMapping/>
-  </p:clrMapOvr>
-  <mc:AlternateContent xmlns:mc="http://schemas.openxmlformats.org/markup-compatibility/2006" xmlns:p14="http://schemas.microsoft.com/office/powerpoint/2010/main">
-    <mc:Choice Requires="p14">
-      <p:transition spd="med" p14:dur="700">
-        <p:fade/>
-      </p:transition>
-    </mc:Choice>
-    <mc:Fallback xmlns="">
-      <p:transition spd="med">
-        <p:fade/>
-      </p:transition>
-    </mc:Fallback>
-  </mc:AlternateContent>
-</p:sld>
-</file>
-
-<file path=ppt/slides/slide6.xml><?xml version="1.0" encoding="utf-8"?>
-<p:sld xmlns:a="http://schemas.openxmlformats.org/drawingml/2006/main" xmlns:r="http://schemas.openxmlformats.org/officeDocument/2006/relationships" xmlns:p="http://schemas.openxmlformats.org/presentationml/2006/main">
-  <p:cSld>
-    <p:spTree>
-      <p:nvGrpSpPr>
-        <p:cNvPr id="1" name=""/>
-        <p:cNvGrpSpPr/>
-        <p:nvPr/>
-      </p:nvGrpSpPr>
-      <p:grpSpPr>
-        <a:xfrm>
-          <a:off x="0" y="0"/>
-          <a:ext cx="0" cy="0"/>
-          <a:chOff x="0" y="0"/>
-          <a:chExt cx="0" cy="0"/>
-        </a:xfrm>
-      </p:grpSpPr>
-      <p:sp>
-        <p:nvSpPr>
-          <p:cNvPr id="2" name="Título 1">
-            <a:extLst>
-              <a:ext uri="{FF2B5EF4-FFF2-40B4-BE49-F238E27FC236}">
                 <a16:creationId xmlns:a16="http://schemas.microsoft.com/office/drawing/2014/main" id="{15B1635E-59D2-A934-51A4-51BC3FB91E78}"/>
               </a:ext>
             </a:extLst>
@@ -4893,7 +4845,7 @@
           <a:lstStyle/>
           <a:p>
             <a:r>
-              <a:rPr lang="pt-BR" dirty="0"/>
+              <a:rPr lang="pt-BR" u="sng" dirty="0"/>
               <a:t>Fontes</a:t>
             </a:r>
           </a:p>
@@ -5813,15 +5765,6 @@
 </file>
 
 <file path=customXml/item1.xml><?xml version="1.0" encoding="utf-8"?>
-<?mso-contentType ?>
-<FormTemplates xmlns="http://schemas.microsoft.com/sharepoint/v3/contenttype/forms">
-  <Display>DocumentLibraryForm</Display>
-  <Edit>DocumentLibraryForm</Edit>
-  <New>DocumentLibraryForm</New>
-</FormTemplates>
-</file>
-
-<file path=customXml/item2.xml><?xml version="1.0" encoding="utf-8"?>
 <ct:contentTypeSchema xmlns:ct="http://schemas.microsoft.com/office/2006/metadata/contentType" xmlns:ma="http://schemas.microsoft.com/office/2006/metadata/properties/metaAttributes" ct:_="" ma:_="" ma:contentTypeName="Document" ma:contentTypeID="0x010100AA3F7D94069FF64A86F7DFF56D60E3BE" ma:contentTypeVersion="6" ma:contentTypeDescription="Create a new document." ma:contentTypeScope="" ma:versionID="c32302c77d4085ecf495bdddb7f5e889">
   <xsd:schema xmlns:xsd="http://www.w3.org/2001/XMLSchema" xmlns:xs="http://www.w3.org/2001/XMLSchema" xmlns:p="http://schemas.microsoft.com/office/2006/metadata/properties" xmlns:ns2="a4f35948-e619-41b3-aa29-22878b09cfd2" xmlns:ns3="40262f94-9f35-4ac3-9a90-690165a166b7" targetNamespace="http://schemas.microsoft.com/office/2006/metadata/properties" ma:root="true" ma:fieldsID="4ab5ae46be95f9d0be6107e8200be7a2" ns2:_="" ns3:_="">
     <xsd:import namespace="a4f35948-e619-41b3-aa29-22878b09cfd2"/>
@@ -6002,6 +5945,15 @@
 </ct:contentTypeSchema>
 </file>
 
+<file path=customXml/item2.xml><?xml version="1.0" encoding="utf-8"?>
+<?mso-contentType ?>
+<FormTemplates xmlns="http://schemas.microsoft.com/sharepoint/v3/contenttype/forms">
+  <Display>DocumentLibraryForm</Display>
+  <Edit>DocumentLibraryForm</Edit>
+  <New>DocumentLibraryForm</New>
+</FormTemplates>
+</file>
+
 <file path=customXml/item3.xml><?xml version="1.0" encoding="utf-8"?>
 <p:properties xmlns:p="http://schemas.microsoft.com/office/2006/metadata/properties" xmlns:xsi="http://www.w3.org/2001/XMLSchema-instance" xmlns:pc="http://schemas.microsoft.com/office/infopath/2007/PartnerControls">
   <documentManagement>
@@ -6014,14 +5966,6 @@
 </file>
 
 <file path=customXml/itemProps1.xml><?xml version="1.0" encoding="utf-8"?>
-<ds:datastoreItem xmlns:ds="http://schemas.openxmlformats.org/officeDocument/2006/customXml" ds:itemID="{31C05A15-2C36-4B2C-9ED7-7313D59409A3}">
-  <ds:schemaRefs>
-    <ds:schemaRef ds:uri="http://schemas.microsoft.com/sharepoint/v3/contenttype/forms"/>
-  </ds:schemaRefs>
-</ds:datastoreItem>
-</file>
-
-<file path=customXml/itemProps2.xml><?xml version="1.0" encoding="utf-8"?>
 <ds:datastoreItem xmlns:ds="http://schemas.openxmlformats.org/officeDocument/2006/customXml" ds:itemID="{2961EA76-1630-4788-A629-8FDAFC920575}">
   <ds:schemaRefs>
     <ds:schemaRef ds:uri="http://schemas.microsoft.com/office/2006/metadata/contentType"/>
@@ -6036,6 +5980,14 @@
     <ds:schemaRef ds:uri="http://purl.org/dc/elements/1.1/"/>
     <ds:schemaRef ds:uri="http://purl.org/dc/terms/"/>
     <ds:schemaRef ds:uri="http://schemas.microsoft.com/internal/obd"/>
+  </ds:schemaRefs>
+</ds:datastoreItem>
+</file>
+
+<file path=customXml/itemProps2.xml><?xml version="1.0" encoding="utf-8"?>
+<ds:datastoreItem xmlns:ds="http://schemas.openxmlformats.org/officeDocument/2006/customXml" ds:itemID="{31C05A15-2C36-4B2C-9ED7-7313D59409A3}">
+  <ds:schemaRefs>
+    <ds:schemaRef ds:uri="http://schemas.microsoft.com/sharepoint/v3/contenttype/forms"/>
   </ds:schemaRefs>
 </ds:datastoreItem>
 </file>
